--- a/期中報告/1092嵌入式影像_期中報告202105071338.pptx
+++ b/期中報告/1092嵌入式影像_期中報告202105071338.pptx
@@ -4709,10 +4709,6 @@
               </a:rPr>
               <a:t>：</a:t>
             </a:r>
-            <a:endParaRPr lang="zh-TW" altLang="en-US" dirty="0" smtClean="0">
-              <a:latin typeface="微軟正黑體" panose="020B0604030504040204" pitchFamily="34" charset="-120"/>
-              <a:ea typeface="微軟正黑體" panose="020B0604030504040204" pitchFamily="34" charset="-120"/>
-            </a:endParaRPr>
           </a:p>
           <a:p>
             <a:pPr marL="1089025" lvl="4" indent="-514350">
@@ -4783,14 +4779,7 @@
                 <a:latin typeface="微軟正黑體" panose="020B0604030504040204" pitchFamily="34" charset="-120"/>
                 <a:ea typeface="微軟正黑體" panose="020B0604030504040204" pitchFamily="34" charset="-120"/>
               </a:rPr>
-              <a:t>輸出</a:t>
-            </a:r>
-            <a:r>
-              <a:rPr lang="zh-TW" altLang="en-US" dirty="0" smtClean="0">
-                <a:latin typeface="微軟正黑體" panose="020B0604030504040204" pitchFamily="34" charset="-120"/>
-                <a:ea typeface="微軟正黑體" panose="020B0604030504040204" pitchFamily="34" charset="-120"/>
-              </a:rPr>
-              <a:t>：</a:t>
+              <a:t>輸出：</a:t>
             </a:r>
             <a:r>
               <a:rPr lang="en-US" altLang="zh-TW" dirty="0" err="1" smtClean="0">
@@ -4838,14 +4827,7 @@
                 <a:latin typeface="微軟正黑體" panose="020B0604030504040204" pitchFamily="34" charset="-120"/>
                 <a:ea typeface="微軟正黑體" panose="020B0604030504040204" pitchFamily="34" charset="-120"/>
               </a:rPr>
-              <a:t>方法</a:t>
-            </a:r>
-            <a:r>
-              <a:rPr lang="zh-TW" altLang="en-US" dirty="0" smtClean="0">
-                <a:latin typeface="微軟正黑體" panose="020B0604030504040204" pitchFamily="34" charset="-120"/>
-                <a:ea typeface="微軟正黑體" panose="020B0604030504040204" pitchFamily="34" charset="-120"/>
-              </a:rPr>
-              <a:t>：由</a:t>
+              <a:t>方法：由</a:t>
             </a:r>
             <a:r>
               <a:rPr lang="en-US" altLang="zh-TW" dirty="0" smtClean="0">
@@ -5079,13 +5061,13 @@
   <p:clrMapOvr>
     <a:masterClrMapping/>
   </p:clrMapOvr>
-  <mc:AlternateContent xmlns:mc="http://schemas.openxmlformats.org/markup-compatibility/2006">
-    <mc:Choice xmlns:p14="http://schemas.microsoft.com/office/powerpoint/2010/main" Requires="p14">
+  <mc:AlternateContent xmlns:mc="http://schemas.openxmlformats.org/markup-compatibility/2006" xmlns:p14="http://schemas.microsoft.com/office/powerpoint/2010/main">
+    <mc:Choice Requires="p14">
       <p:transition spd="med" p14:dur="700">
         <p:fade/>
       </p:transition>
     </mc:Choice>
-    <mc:Fallback>
+    <mc:Fallback xmlns="">
       <p:transition spd="med">
         <p:fade/>
       </p:transition>
@@ -11197,10 +11179,10 @@
         </p:nvGrpSpPr>
         <p:grpSpPr>
           <a:xfrm>
-            <a:off x="2033366" y="1028993"/>
-            <a:ext cx="9244170" cy="5598514"/>
-            <a:chOff x="2791876" y="1021570"/>
-            <a:chExt cx="9244170" cy="5598514"/>
+            <a:off x="2033367" y="1028993"/>
+            <a:ext cx="9244169" cy="5598514"/>
+            <a:chOff x="2791877" y="1021570"/>
+            <a:chExt cx="9244169" cy="5598514"/>
           </a:xfrm>
         </p:grpSpPr>
         <p:sp>
@@ -11615,69 +11597,6 @@
               <a:endParaRPr lang="zh-TW" altLang="en-US" sz="1600" dirty="0">
                 <a:latin typeface="Times New Roman" panose="02020603050405020304" pitchFamily="18" charset="0"/>
               </a:endParaRPr>
-            </a:p>
-          </p:txBody>
-        </p:sp>
-        <p:sp>
-          <p:nvSpPr>
-            <p:cNvPr id="100" name="矩形 99"/>
-            <p:cNvSpPr/>
-            <p:nvPr/>
-          </p:nvSpPr>
-          <p:spPr>
-            <a:xfrm>
-              <a:off x="2791876" y="4572989"/>
-              <a:ext cx="1353147" cy="856970"/>
-            </a:xfrm>
-            <a:prstGeom prst="rect">
-              <a:avLst/>
-            </a:prstGeom>
-            <a:ln>
-              <a:noFill/>
-            </a:ln>
-          </p:spPr>
-          <p:style>
-            <a:lnRef idx="2">
-              <a:schemeClr val="accent1">
-                <a:shade val="50000"/>
-              </a:schemeClr>
-            </a:lnRef>
-            <a:fillRef idx="1">
-              <a:schemeClr val="accent1"/>
-            </a:fillRef>
-            <a:effectRef idx="0">
-              <a:schemeClr val="accent1"/>
-            </a:effectRef>
-            <a:fontRef idx="minor">
-              <a:schemeClr val="lt1"/>
-            </a:fontRef>
-          </p:style>
-          <p:txBody>
-            <a:bodyPr rtlCol="0" anchor="ctr"/>
-            <a:lstStyle/>
-            <a:p>
-              <a:pPr algn="ctr"/>
-              <a:r>
-                <a:rPr lang="zh-TW" altLang="en-US" sz="1600" dirty="0" smtClean="0"/>
-                <a:t>存成圖片庫</a:t>
-              </a:r>
-              <a:endParaRPr lang="en-US" altLang="zh-TW" sz="1600" dirty="0" smtClean="0"/>
-            </a:p>
-            <a:p>
-              <a:pPr algn="ctr"/>
-              <a:r>
-                <a:rPr lang="en-US" altLang="zh-TW" sz="1600" dirty="0" smtClean="0"/>
-                <a:t>(</a:t>
-              </a:r>
-              <a:r>
-                <a:rPr lang="zh-TW" altLang="en-US" sz="1600" dirty="0" smtClean="0"/>
-                <a:t>資料夾</a:t>
-              </a:r>
-              <a:r>
-                <a:rPr lang="en-US" altLang="zh-TW" sz="1600" dirty="0" smtClean="0"/>
-                <a:t>)</a:t>
-              </a:r>
-              <a:endParaRPr lang="zh-TW" altLang="en-US" sz="1600" dirty="0"/>
             </a:p>
           </p:txBody>
         </p:sp>
@@ -11902,42 +11821,6 @@
             <a:xfrm>
               <a:off x="3468451" y="3063926"/>
               <a:ext cx="0" cy="328416"/>
-            </a:xfrm>
-            <a:prstGeom prst="straightConnector1">
-              <a:avLst/>
-            </a:prstGeom>
-            <a:ln w="28575">
-              <a:tailEnd type="triangle"/>
-            </a:ln>
-          </p:spPr>
-          <p:style>
-            <a:lnRef idx="1">
-              <a:schemeClr val="accent1"/>
-            </a:lnRef>
-            <a:fillRef idx="0">
-              <a:schemeClr val="accent1"/>
-            </a:fillRef>
-            <a:effectRef idx="0">
-              <a:schemeClr val="accent1"/>
-            </a:effectRef>
-            <a:fontRef idx="minor">
-              <a:schemeClr val="tx1"/>
-            </a:fontRef>
-          </p:style>
-        </p:cxnSp>
-        <p:cxnSp>
-          <p:nvCxnSpPr>
-            <p:cNvPr id="122" name="直線單箭頭接點 121"/>
-            <p:cNvCxnSpPr>
-              <a:stCxn id="87" idx="2"/>
-              <a:endCxn id="100" idx="0"/>
-            </p:cNvCxnSpPr>
-            <p:nvPr/>
-          </p:nvCxnSpPr>
-          <p:spPr>
-            <a:xfrm flipH="1">
-              <a:off x="3468450" y="4249312"/>
-              <a:ext cx="1" cy="323677"/>
             </a:xfrm>
             <a:prstGeom prst="straightConnector1">
               <a:avLst/>
@@ -15400,10 +15283,6 @@
               </a:rPr>
               <a:t>：</a:t>
             </a:r>
-            <a:endParaRPr lang="zh-TW" altLang="en-US" dirty="0" smtClean="0">
-              <a:latin typeface="微軟正黑體" panose="020B0604030504040204" pitchFamily="34" charset="-120"/>
-              <a:ea typeface="微軟正黑體" panose="020B0604030504040204" pitchFamily="34" charset="-120"/>
-            </a:endParaRPr>
           </a:p>
           <a:p>
             <a:pPr marL="1089025" lvl="4" indent="-514350">

--- a/期中報告/1092嵌入式影像_期中報告202105071338.pptx
+++ b/期中報告/1092嵌入式影像_期中報告202105071338.pptx
@@ -11508,8 +11508,8 @@
             <a:p>
               <a:pPr algn="ctr"/>
               <a:r>
-                <a:rPr lang="zh-TW" altLang="en-US" sz="1600" dirty="0" smtClean="0"/>
-                <a:t>讀取圖片庫</a:t>
+                <a:rPr lang="zh-TW" altLang="en-US" sz="1600" smtClean="0"/>
+                <a:t>讀取照片</a:t>
               </a:r>
               <a:endParaRPr lang="en-US" altLang="zh-TW" sz="1600" dirty="0" smtClean="0"/>
             </a:p>
